--- a/Daa.pptx
+++ b/Daa.pptx
@@ -148,6 +148,9 @@
         </p14:section>
       </p14:sectionLst>
     </p:ext>
+    <p:ext uri="{EFAFB233-063F-42B5-8137-9DF3F51BA10A}">
+      <p15:sldGuideLst xmlns:p15="http://schemas.microsoft.com/office/powerpoint/2012/main"/>
+    </p:ext>
   </p:extLst>
 </p:presentation>
 </file>
@@ -341,7 +344,7 @@
             <a:fld id="{B61BEF0D-F0BB-DE4B-95CE-6DB70DBA9567}" type="datetimeFigureOut">
               <a:rPr lang="en-US" dirty="0"/>
               <a:pPr/>
-              <a:t>4/10/20</a:t>
+              <a:t>4/17/20</a:t>
             </a:fld>
             <a:endParaRPr lang="en-US" dirty="0"/>
           </a:p>
@@ -676,7 +679,7 @@
             <a:fld id="{B61BEF0D-F0BB-DE4B-95CE-6DB70DBA9567}" type="datetimeFigureOut">
               <a:rPr lang="en-US" dirty="0"/>
               <a:pPr/>
-              <a:t>4/10/20</a:t>
+              <a:t>4/17/20</a:t>
             </a:fld>
             <a:endParaRPr lang="en-US" dirty="0"/>
           </a:p>
@@ -1074,7 +1077,7 @@
             <a:fld id="{B61BEF0D-F0BB-DE4B-95CE-6DB70DBA9567}" type="datetimeFigureOut">
               <a:rPr lang="en-US" dirty="0"/>
               <a:pPr/>
-              <a:t>4/10/20</a:t>
+              <a:t>4/17/20</a:t>
             </a:fld>
             <a:endParaRPr lang="en-US" dirty="0"/>
           </a:p>
@@ -1407,7 +1410,7 @@
             <a:fld id="{B61BEF0D-F0BB-DE4B-95CE-6DB70DBA9567}" type="datetimeFigureOut">
               <a:rPr lang="en-US" dirty="0"/>
               <a:pPr/>
-              <a:t>4/10/20</a:t>
+              <a:t>4/17/20</a:t>
             </a:fld>
             <a:endParaRPr lang="en-US" dirty="0"/>
           </a:p>
@@ -1724,7 +1727,7 @@
             <a:fld id="{B61BEF0D-F0BB-DE4B-95CE-6DB70DBA9567}" type="datetimeFigureOut">
               <a:rPr lang="en-US" dirty="0"/>
               <a:pPr/>
-              <a:t>4/10/20</a:t>
+              <a:t>4/17/20</a:t>
             </a:fld>
             <a:endParaRPr lang="en-US" dirty="0"/>
           </a:p>
@@ -2117,7 +2120,7 @@
             <a:fld id="{B61BEF0D-F0BB-DE4B-95CE-6DB70DBA9567}" type="datetimeFigureOut">
               <a:rPr lang="en-US" dirty="0"/>
               <a:pPr/>
-              <a:t>4/10/20</a:t>
+              <a:t>4/17/20</a:t>
             </a:fld>
             <a:endParaRPr lang="en-US" dirty="0"/>
           </a:p>
@@ -2371,7 +2374,7 @@
             <a:fld id="{B61BEF0D-F0BB-DE4B-95CE-6DB70DBA9567}" type="datetimeFigureOut">
               <a:rPr lang="en-US" dirty="0"/>
               <a:pPr/>
-              <a:t>4/10/20</a:t>
+              <a:t>4/17/20</a:t>
             </a:fld>
             <a:endParaRPr lang="en-US" dirty="0"/>
           </a:p>
@@ -2630,7 +2633,7 @@
             <a:fld id="{B61BEF0D-F0BB-DE4B-95CE-6DB70DBA9567}" type="datetimeFigureOut">
               <a:rPr lang="en-US" dirty="0"/>
               <a:pPr/>
-              <a:t>4/10/20</a:t>
+              <a:t>4/17/20</a:t>
             </a:fld>
             <a:endParaRPr lang="en-US" dirty="0"/>
           </a:p>
@@ -2889,7 +2892,7 @@
             <a:fld id="{B61BEF0D-F0BB-DE4B-95CE-6DB70DBA9567}" type="datetimeFigureOut">
               <a:rPr lang="en-US" dirty="0"/>
               <a:pPr/>
-              <a:t>4/10/20</a:t>
+              <a:t>4/17/20</a:t>
             </a:fld>
             <a:endParaRPr lang="en-US" dirty="0"/>
           </a:p>
@@ -3215,7 +3218,7 @@
             <a:fld id="{B61BEF0D-F0BB-DE4B-95CE-6DB70DBA9567}" type="datetimeFigureOut">
               <a:rPr lang="en-US" dirty="0"/>
               <a:pPr/>
-              <a:t>4/10/20</a:t>
+              <a:t>4/17/20</a:t>
             </a:fld>
             <a:endParaRPr lang="en-US" dirty="0"/>
           </a:p>
@@ -3535,7 +3538,7 @@
             <a:fld id="{B61BEF0D-F0BB-DE4B-95CE-6DB70DBA9567}" type="datetimeFigureOut">
               <a:rPr lang="en-US" dirty="0"/>
               <a:pPr/>
-              <a:t>4/10/20</a:t>
+              <a:t>4/17/20</a:t>
             </a:fld>
             <a:endParaRPr lang="en-US" dirty="0"/>
           </a:p>
@@ -3989,7 +3992,7 @@
             <a:fld id="{B61BEF0D-F0BB-DE4B-95CE-6DB70DBA9567}" type="datetimeFigureOut">
               <a:rPr lang="en-US" dirty="0"/>
               <a:pPr/>
-              <a:t>4/10/20</a:t>
+              <a:t>4/17/20</a:t>
             </a:fld>
             <a:endParaRPr lang="en-US" dirty="0"/>
           </a:p>
@@ -4191,7 +4194,7 @@
             <a:fld id="{B61BEF0D-F0BB-DE4B-95CE-6DB70DBA9567}" type="datetimeFigureOut">
               <a:rPr lang="en-US" dirty="0"/>
               <a:pPr/>
-              <a:t>4/10/20</a:t>
+              <a:t>4/17/20</a:t>
             </a:fld>
             <a:endParaRPr lang="en-US" dirty="0"/>
           </a:p>
@@ -4365,7 +4368,7 @@
             <a:fld id="{B61BEF0D-F0BB-DE4B-95CE-6DB70DBA9567}" type="datetimeFigureOut">
               <a:rPr lang="en-US" dirty="0"/>
               <a:pPr/>
-              <a:t>4/10/20</a:t>
+              <a:t>4/17/20</a:t>
             </a:fld>
             <a:endParaRPr lang="en-US" dirty="0"/>
           </a:p>
@@ -4695,7 +4698,7 @@
             <a:fld id="{B61BEF0D-F0BB-DE4B-95CE-6DB70DBA9567}" type="datetimeFigureOut">
               <a:rPr lang="en-US" dirty="0"/>
               <a:pPr/>
-              <a:t>4/10/20</a:t>
+              <a:t>4/17/20</a:t>
             </a:fld>
             <a:endParaRPr lang="en-US" dirty="0"/>
           </a:p>
@@ -5037,7 +5040,7 @@
             <a:fld id="{B61BEF0D-F0BB-DE4B-95CE-6DB70DBA9567}" type="datetimeFigureOut">
               <a:rPr lang="en-US" dirty="0"/>
               <a:pPr/>
-              <a:t>4/10/20</a:t>
+              <a:t>4/17/20</a:t>
             </a:fld>
             <a:endParaRPr lang="en-US" dirty="0"/>
           </a:p>
@@ -7151,7 +7154,7 @@
             <a:fld id="{B61BEF0D-F0BB-DE4B-95CE-6DB70DBA9567}" type="datetimeFigureOut">
               <a:rPr lang="en-US" dirty="0"/>
               <a:pPr/>
-              <a:t>4/10/20</a:t>
+              <a:t>4/17/20</a:t>
             </a:fld>
             <a:endParaRPr lang="en-US" dirty="0"/>
           </a:p>
@@ -7738,15 +7741,20 @@
             <a:pPr algn="just"/>
             <a:r>
               <a:rPr lang="en-US" dirty="0"/>
-              <a:t>AUTHOR :  AYUSH MAHAJAN</a:t>
+              <a:t>AUTHOR :  AYUSH MAHAJAN, SHUBHAM AGGARWAL</a:t>
             </a:r>
           </a:p>
           <a:p>
             <a:pPr algn="just"/>
             <a:r>
               <a:rPr lang="en-US" dirty="0"/>
-              <a:t>ROLL NO : 181210014</a:t>
-            </a:r>
+              <a:t>ROLL NO </a:t>
+            </a:r>
+            <a:r>
+              <a:rPr lang="en-US"/>
+              <a:t>: 181210014,181210052</a:t>
+            </a:r>
+            <a:endParaRPr lang="en-US" dirty="0"/>
           </a:p>
           <a:p>
             <a:pPr algn="just"/>
